--- a/docs/slides/08/08_streams.pptx
+++ b/docs/slides/08/08_streams.pptx
@@ -13596,7 +13596,7 @@
             </a:r>
             <a:r>
               <a:rPr lang="en-US" i="1" dirty="0"/>
-              <a:t>org.pg4200.les07</a:t>
+              <a:t>org.pg4200.les08</a:t>
             </a:r>
             <a:r>
               <a:rPr lang="en-US" dirty="0"/>
@@ -13610,8 +13610,13 @@
             </a:r>
             <a:r>
               <a:rPr lang="en-US" i="1" dirty="0"/>
-              <a:t>exercises/ex07</a:t>
-            </a:r>
+              <a:t>exercises</a:t>
+            </a:r>
+            <a:r>
+              <a:rPr lang="en-US" i="1"/>
+              <a:t>/ex08</a:t>
+            </a:r>
+            <a:endParaRPr lang="en-US" i="1" dirty="0"/>
           </a:p>
         </p:txBody>
       </p:sp>
